--- a/Presentation1.pptx
+++ b/Presentation1.pptx
@@ -8,7 +8,11 @@
     <p:sldId id="256" r:id="rId2"/>
     <p:sldId id="269" r:id="rId3"/>
     <p:sldId id="270" r:id="rId4"/>
-    <p:sldId id="268" r:id="rId5"/>
+    <p:sldId id="271" r:id="rId5"/>
+    <p:sldId id="272" r:id="rId6"/>
+    <p:sldId id="273" r:id="rId7"/>
+    <p:sldId id="274" r:id="rId8"/>
+    <p:sldId id="268" r:id="rId9"/>
   </p:sldIdLst>
   <p:sldSz cx="12192000" cy="6858000"/>
   <p:notesSz cx="6858000" cy="9144000"/>
@@ -3683,6 +3687,386 @@
           <p:cNvPr id="2" name="Title 1">
             <a:extLst>
               <a:ext uri="{FF2B5EF4-FFF2-40B4-BE49-F238E27FC236}">
+                <a16:creationId xmlns:a16="http://schemas.microsoft.com/office/drawing/2014/main" id="{6CAB2606-E041-4A17-8E0E-A989F369AEEA}"/>
+              </a:ext>
+            </a:extLst>
+          </p:cNvPr>
+          <p:cNvSpPr>
+            <a:spLocks noGrp="1"/>
+          </p:cNvSpPr>
+          <p:nvPr>
+            <p:ph type="title"/>
+          </p:nvPr>
+        </p:nvSpPr>
+        <p:spPr/>
+        <p:txBody>
+          <a:bodyPr/>
+          <a:lstStyle/>
+          <a:p>
+            <a:endParaRPr lang="en-US"/>
+          </a:p>
+        </p:txBody>
+      </p:sp>
+      <p:sp>
+        <p:nvSpPr>
+          <p:cNvPr id="3" name="Content Placeholder 2">
+            <a:extLst>
+              <a:ext uri="{FF2B5EF4-FFF2-40B4-BE49-F238E27FC236}">
+                <a16:creationId xmlns:a16="http://schemas.microsoft.com/office/drawing/2014/main" id="{8D507CBF-DD87-4815-8F05-F32E12FA2358}"/>
+              </a:ext>
+            </a:extLst>
+          </p:cNvPr>
+          <p:cNvSpPr>
+            <a:spLocks noGrp="1"/>
+          </p:cNvSpPr>
+          <p:nvPr>
+            <p:ph idx="1"/>
+          </p:nvPr>
+        </p:nvSpPr>
+        <p:spPr/>
+        <p:txBody>
+          <a:bodyPr/>
+          <a:lstStyle/>
+          <a:p>
+            <a:endParaRPr lang="en-US"/>
+          </a:p>
+        </p:txBody>
+      </p:sp>
+      <p:pic>
+        <p:nvPicPr>
+          <p:cNvPr id="5" name="Picture 4" descr="Graphical user interface, text, application&#10;&#10;Description automatically generated">
+            <a:extLst>
+              <a:ext uri="{FF2B5EF4-FFF2-40B4-BE49-F238E27FC236}">
+                <a16:creationId xmlns:a16="http://schemas.microsoft.com/office/drawing/2014/main" id="{522A71CB-2E84-4301-A07D-9A4175D2AEAF}"/>
+              </a:ext>
+            </a:extLst>
+          </p:cNvPr>
+          <p:cNvPicPr>
+            <a:picLocks noChangeAspect="1"/>
+          </p:cNvPicPr>
+          <p:nvPr/>
+        </p:nvPicPr>
+        <p:blipFill>
+          <a:blip r:embed="rId2"/>
+          <a:stretch>
+            <a:fillRect/>
+          </a:stretch>
+        </p:blipFill>
+        <p:spPr>
+          <a:xfrm>
+            <a:off x="51544" y="1709497"/>
+            <a:ext cx="12088912" cy="3439005"/>
+          </a:xfrm>
+          <a:prstGeom prst="rect">
+            <a:avLst/>
+          </a:prstGeom>
+        </p:spPr>
+      </p:pic>
+    </p:spTree>
+    <p:extLst>
+      <p:ext uri="{BB962C8B-B14F-4D97-AF65-F5344CB8AC3E}">
+        <p14:creationId xmlns:p14="http://schemas.microsoft.com/office/powerpoint/2010/main" val="866137018"/>
+      </p:ext>
+    </p:extLst>
+  </p:cSld>
+  <p:clrMapOvr>
+    <a:masterClrMapping/>
+  </p:clrMapOvr>
+</p:sld>
+</file>
+
+<file path=ppt/slides/slide5.xml><?xml version="1.0" encoding="utf-8"?>
+<p:sld xmlns:a="http://schemas.openxmlformats.org/drawingml/2006/main" xmlns:r="http://schemas.openxmlformats.org/officeDocument/2006/relationships" xmlns:p="http://schemas.openxmlformats.org/presentationml/2006/main">
+  <p:cSld>
+    <p:spTree>
+      <p:nvGrpSpPr>
+        <p:cNvPr id="1" name=""/>
+        <p:cNvGrpSpPr/>
+        <p:nvPr/>
+      </p:nvGrpSpPr>
+      <p:grpSpPr>
+        <a:xfrm>
+          <a:off x="0" y="0"/>
+          <a:ext cx="0" cy="0"/>
+          <a:chOff x="0" y="0"/>
+          <a:chExt cx="0" cy="0"/>
+        </a:xfrm>
+      </p:grpSpPr>
+      <p:sp>
+        <p:nvSpPr>
+          <p:cNvPr id="2" name="Title 1">
+            <a:extLst>
+              <a:ext uri="{FF2B5EF4-FFF2-40B4-BE49-F238E27FC236}">
+                <a16:creationId xmlns:a16="http://schemas.microsoft.com/office/drawing/2014/main" id="{59218A6B-10BD-4F2E-A837-8DC92AE9B7EB}"/>
+              </a:ext>
+            </a:extLst>
+          </p:cNvPr>
+          <p:cNvSpPr>
+            <a:spLocks noGrp="1"/>
+          </p:cNvSpPr>
+          <p:nvPr>
+            <p:ph type="title"/>
+          </p:nvPr>
+        </p:nvSpPr>
+        <p:spPr/>
+        <p:txBody>
+          <a:bodyPr/>
+          <a:lstStyle/>
+          <a:p>
+            <a:endParaRPr lang="en-US"/>
+          </a:p>
+        </p:txBody>
+      </p:sp>
+      <p:sp>
+        <p:nvSpPr>
+          <p:cNvPr id="3" name="Content Placeholder 2">
+            <a:extLst>
+              <a:ext uri="{FF2B5EF4-FFF2-40B4-BE49-F238E27FC236}">
+                <a16:creationId xmlns:a16="http://schemas.microsoft.com/office/drawing/2014/main" id="{9921AF33-D0D7-4E34-9531-ED715304CFFB}"/>
+              </a:ext>
+            </a:extLst>
+          </p:cNvPr>
+          <p:cNvSpPr>
+            <a:spLocks noGrp="1"/>
+          </p:cNvSpPr>
+          <p:nvPr>
+            <p:ph idx="1"/>
+          </p:nvPr>
+        </p:nvSpPr>
+        <p:spPr/>
+        <p:txBody>
+          <a:bodyPr/>
+          <a:lstStyle/>
+          <a:p>
+            <a:endParaRPr lang="en-US"/>
+          </a:p>
+        </p:txBody>
+      </p:sp>
+      <p:pic>
+        <p:nvPicPr>
+          <p:cNvPr id="5" name="Picture 4" descr="Graphical user interface, text, application, email&#10;&#10;Description automatically generated">
+            <a:extLst>
+              <a:ext uri="{FF2B5EF4-FFF2-40B4-BE49-F238E27FC236}">
+                <a16:creationId xmlns:a16="http://schemas.microsoft.com/office/drawing/2014/main" id="{8BF9C647-C70E-4063-9D1C-83C17C25478A}"/>
+              </a:ext>
+            </a:extLst>
+          </p:cNvPr>
+          <p:cNvPicPr>
+            <a:picLocks noChangeAspect="1"/>
+          </p:cNvPicPr>
+          <p:nvPr/>
+        </p:nvPicPr>
+        <p:blipFill>
+          <a:blip r:embed="rId2"/>
+          <a:stretch>
+            <a:fillRect/>
+          </a:stretch>
+        </p:blipFill>
+        <p:spPr>
+          <a:xfrm>
+            <a:off x="165860" y="1447523"/>
+            <a:ext cx="11860280" cy="3962953"/>
+          </a:xfrm>
+          <a:prstGeom prst="rect">
+            <a:avLst/>
+          </a:prstGeom>
+        </p:spPr>
+      </p:pic>
+    </p:spTree>
+    <p:extLst>
+      <p:ext uri="{BB962C8B-B14F-4D97-AF65-F5344CB8AC3E}">
+        <p14:creationId xmlns:p14="http://schemas.microsoft.com/office/powerpoint/2010/main" val="4198052273"/>
+      </p:ext>
+    </p:extLst>
+  </p:cSld>
+  <p:clrMapOvr>
+    <a:masterClrMapping/>
+  </p:clrMapOvr>
+</p:sld>
+</file>
+
+<file path=ppt/slides/slide6.xml><?xml version="1.0" encoding="utf-8"?>
+<p:sld xmlns:a="http://schemas.openxmlformats.org/drawingml/2006/main" xmlns:r="http://schemas.openxmlformats.org/officeDocument/2006/relationships" xmlns:p="http://schemas.openxmlformats.org/presentationml/2006/main">
+  <p:cSld>
+    <p:spTree>
+      <p:nvGrpSpPr>
+        <p:cNvPr id="1" name=""/>
+        <p:cNvGrpSpPr/>
+        <p:nvPr/>
+      </p:nvGrpSpPr>
+      <p:grpSpPr>
+        <a:xfrm>
+          <a:off x="0" y="0"/>
+          <a:ext cx="0" cy="0"/>
+          <a:chOff x="0" y="0"/>
+          <a:chExt cx="0" cy="0"/>
+        </a:xfrm>
+      </p:grpSpPr>
+      <p:sp>
+        <p:nvSpPr>
+          <p:cNvPr id="2" name="Title 1">
+            <a:extLst>
+              <a:ext uri="{FF2B5EF4-FFF2-40B4-BE49-F238E27FC236}">
+                <a16:creationId xmlns:a16="http://schemas.microsoft.com/office/drawing/2014/main" id="{62AC879B-61BF-4A88-955E-BC39294EA052}"/>
+              </a:ext>
+            </a:extLst>
+          </p:cNvPr>
+          <p:cNvSpPr>
+            <a:spLocks noGrp="1"/>
+          </p:cNvSpPr>
+          <p:nvPr>
+            <p:ph type="title"/>
+          </p:nvPr>
+        </p:nvSpPr>
+        <p:spPr/>
+        <p:txBody>
+          <a:bodyPr/>
+          <a:lstStyle/>
+          <a:p>
+            <a:endParaRPr lang="en-US"/>
+          </a:p>
+        </p:txBody>
+      </p:sp>
+      <p:sp>
+        <p:nvSpPr>
+          <p:cNvPr id="3" name="Content Placeholder 2">
+            <a:extLst>
+              <a:ext uri="{FF2B5EF4-FFF2-40B4-BE49-F238E27FC236}">
+                <a16:creationId xmlns:a16="http://schemas.microsoft.com/office/drawing/2014/main" id="{3F760AF5-36E3-43F8-B07A-D3675107FFA7}"/>
+              </a:ext>
+            </a:extLst>
+          </p:cNvPr>
+          <p:cNvSpPr>
+            <a:spLocks noGrp="1"/>
+          </p:cNvSpPr>
+          <p:nvPr>
+            <p:ph idx="1"/>
+          </p:nvPr>
+        </p:nvSpPr>
+        <p:spPr/>
+        <p:txBody>
+          <a:bodyPr/>
+          <a:lstStyle/>
+          <a:p>
+            <a:endParaRPr lang="en-US"/>
+          </a:p>
+        </p:txBody>
+      </p:sp>
+    </p:spTree>
+    <p:extLst>
+      <p:ext uri="{BB962C8B-B14F-4D97-AF65-F5344CB8AC3E}">
+        <p14:creationId xmlns:p14="http://schemas.microsoft.com/office/powerpoint/2010/main" val="3107677953"/>
+      </p:ext>
+    </p:extLst>
+  </p:cSld>
+  <p:clrMapOvr>
+    <a:masterClrMapping/>
+  </p:clrMapOvr>
+</p:sld>
+</file>
+
+<file path=ppt/slides/slide7.xml><?xml version="1.0" encoding="utf-8"?>
+<p:sld xmlns:a="http://schemas.openxmlformats.org/drawingml/2006/main" xmlns:r="http://schemas.openxmlformats.org/officeDocument/2006/relationships" xmlns:p="http://schemas.openxmlformats.org/presentationml/2006/main">
+  <p:cSld>
+    <p:spTree>
+      <p:nvGrpSpPr>
+        <p:cNvPr id="1" name=""/>
+        <p:cNvGrpSpPr/>
+        <p:nvPr/>
+      </p:nvGrpSpPr>
+      <p:grpSpPr>
+        <a:xfrm>
+          <a:off x="0" y="0"/>
+          <a:ext cx="0" cy="0"/>
+          <a:chOff x="0" y="0"/>
+          <a:chExt cx="0" cy="0"/>
+        </a:xfrm>
+      </p:grpSpPr>
+      <p:sp>
+        <p:nvSpPr>
+          <p:cNvPr id="2" name="Title 1">
+            <a:extLst>
+              <a:ext uri="{FF2B5EF4-FFF2-40B4-BE49-F238E27FC236}">
+                <a16:creationId xmlns:a16="http://schemas.microsoft.com/office/drawing/2014/main" id="{5F7C5304-4FC7-4469-AE55-65875F4E446A}"/>
+              </a:ext>
+            </a:extLst>
+          </p:cNvPr>
+          <p:cNvSpPr>
+            <a:spLocks noGrp="1"/>
+          </p:cNvSpPr>
+          <p:nvPr>
+            <p:ph type="title"/>
+          </p:nvPr>
+        </p:nvSpPr>
+        <p:spPr/>
+        <p:txBody>
+          <a:bodyPr/>
+          <a:lstStyle/>
+          <a:p>
+            <a:endParaRPr lang="en-US"/>
+          </a:p>
+        </p:txBody>
+      </p:sp>
+      <p:sp>
+        <p:nvSpPr>
+          <p:cNvPr id="3" name="Content Placeholder 2">
+            <a:extLst>
+              <a:ext uri="{FF2B5EF4-FFF2-40B4-BE49-F238E27FC236}">
+                <a16:creationId xmlns:a16="http://schemas.microsoft.com/office/drawing/2014/main" id="{E299B596-AA63-43F6-9D0E-B34CB5532693}"/>
+              </a:ext>
+            </a:extLst>
+          </p:cNvPr>
+          <p:cNvSpPr>
+            <a:spLocks noGrp="1"/>
+          </p:cNvSpPr>
+          <p:nvPr>
+            <p:ph idx="1"/>
+          </p:nvPr>
+        </p:nvSpPr>
+        <p:spPr/>
+        <p:txBody>
+          <a:bodyPr/>
+          <a:lstStyle/>
+          <a:p>
+            <a:endParaRPr lang="en-US"/>
+          </a:p>
+        </p:txBody>
+      </p:sp>
+    </p:spTree>
+    <p:extLst>
+      <p:ext uri="{BB962C8B-B14F-4D97-AF65-F5344CB8AC3E}">
+        <p14:creationId xmlns:p14="http://schemas.microsoft.com/office/powerpoint/2010/main" val="2950931767"/>
+      </p:ext>
+    </p:extLst>
+  </p:cSld>
+  <p:clrMapOvr>
+    <a:masterClrMapping/>
+  </p:clrMapOvr>
+</p:sld>
+</file>
+
+<file path=ppt/slides/slide8.xml><?xml version="1.0" encoding="utf-8"?>
+<p:sld xmlns:a="http://schemas.openxmlformats.org/drawingml/2006/main" xmlns:r="http://schemas.openxmlformats.org/officeDocument/2006/relationships" xmlns:p="http://schemas.openxmlformats.org/presentationml/2006/main">
+  <p:cSld>
+    <p:spTree>
+      <p:nvGrpSpPr>
+        <p:cNvPr id="1" name=""/>
+        <p:cNvGrpSpPr/>
+        <p:nvPr/>
+      </p:nvGrpSpPr>
+      <p:grpSpPr>
+        <a:xfrm>
+          <a:off x="0" y="0"/>
+          <a:ext cx="0" cy="0"/>
+          <a:chOff x="0" y="0"/>
+          <a:chExt cx="0" cy="0"/>
+        </a:xfrm>
+      </p:grpSpPr>
+      <p:sp>
+        <p:nvSpPr>
+          <p:cNvPr id="2" name="Title 1">
+            <a:extLst>
+              <a:ext uri="{FF2B5EF4-FFF2-40B4-BE49-F238E27FC236}">
                 <a16:creationId xmlns:a16="http://schemas.microsoft.com/office/drawing/2014/main" id="{E8B8F26E-9345-4747-9094-972E38700A17}"/>
               </a:ext>
             </a:extLst>

--- a/Presentation1.pptx
+++ b/Presentation1.pptx
@@ -10,9 +10,8 @@
     <p:sldId id="270" r:id="rId4"/>
     <p:sldId id="271" r:id="rId5"/>
     <p:sldId id="272" r:id="rId6"/>
-    <p:sldId id="273" r:id="rId7"/>
-    <p:sldId id="274" r:id="rId8"/>
-    <p:sldId id="268" r:id="rId9"/>
+    <p:sldId id="274" r:id="rId7"/>
+    <p:sldId id="268" r:id="rId8"/>
   </p:sldIdLst>
   <p:sldSz cx="12192000" cy="6858000"/>
   <p:notesSz cx="6858000" cy="9144000"/>
@@ -3684,31 +3683,6 @@
       </p:grpSpPr>
       <p:sp>
         <p:nvSpPr>
-          <p:cNvPr id="2" name="Title 1">
-            <a:extLst>
-              <a:ext uri="{FF2B5EF4-FFF2-40B4-BE49-F238E27FC236}">
-                <a16:creationId xmlns:a16="http://schemas.microsoft.com/office/drawing/2014/main" id="{6CAB2606-E041-4A17-8E0E-A989F369AEEA}"/>
-              </a:ext>
-            </a:extLst>
-          </p:cNvPr>
-          <p:cNvSpPr>
-            <a:spLocks noGrp="1"/>
-          </p:cNvSpPr>
-          <p:nvPr>
-            <p:ph type="title"/>
-          </p:nvPr>
-        </p:nvSpPr>
-        <p:spPr/>
-        <p:txBody>
-          <a:bodyPr/>
-          <a:lstStyle/>
-          <a:p>
-            <a:endParaRPr lang="en-US"/>
-          </a:p>
-        </p:txBody>
-      </p:sp>
-      <p:sp>
-        <p:nvSpPr>
           <p:cNvPr id="3" name="Content Placeholder 2">
             <a:extLst>
               <a:ext uri="{FF2B5EF4-FFF2-40B4-BE49-F238E27FC236}">
@@ -3723,12 +3697,47 @@
             <p:ph idx="1"/>
           </p:nvPr>
         </p:nvSpPr>
-        <p:spPr/>
+        <p:spPr>
+          <a:xfrm>
+            <a:off x="7540488" y="1347727"/>
+            <a:ext cx="3872638" cy="4481520"/>
+          </a:xfrm>
+        </p:spPr>
         <p:txBody>
           <a:bodyPr/>
           <a:lstStyle/>
           <a:p>
-            <a:endParaRPr lang="en-US"/>
+            <a:pPr>
+              <a:buFont typeface="Wingdings" panose="05000000000000000000" pitchFamily="2" charset="2"/>
+              <a:buChar char="Ø"/>
+            </a:pPr>
+            <a:r>
+              <a:rPr lang="en-US" dirty="0">
+                <a:latin typeface="Avenir Next LT Pro" panose="020B0504020202020204" pitchFamily="34" charset="0"/>
+              </a:rPr>
+              <a:t>Next, Also deployed the model on to Heroku Platform.</a:t>
+            </a:r>
+          </a:p>
+          <a:p>
+            <a:pPr>
+              <a:buFont typeface="Wingdings" panose="05000000000000000000" pitchFamily="2" charset="2"/>
+              <a:buChar char="Ø"/>
+            </a:pPr>
+            <a:endParaRPr lang="en-US" dirty="0">
+              <a:latin typeface="Avenir Next LT Pro" panose="020B0504020202020204" pitchFamily="34" charset="0"/>
+            </a:endParaRPr>
+          </a:p>
+          <a:p>
+            <a:pPr>
+              <a:buFont typeface="Wingdings" panose="05000000000000000000" pitchFamily="2" charset="2"/>
+              <a:buChar char="Ø"/>
+            </a:pPr>
+            <a:r>
+              <a:rPr lang="en-US" dirty="0">
+                <a:latin typeface="Avenir Next LT Pro" panose="020B0504020202020204" pitchFamily="34" charset="0"/>
+              </a:rPr>
+              <a:t>Connected GitHub repo with necessary files to the Heroku App.</a:t>
+            </a:r>
           </a:p>
         </p:txBody>
       </p:sp>
@@ -3754,12 +3763,139 @@
         </p:blipFill>
         <p:spPr>
           <a:xfrm>
-            <a:off x="51544" y="1709497"/>
-            <a:ext cx="12088912" cy="3439005"/>
+            <a:off x="838200" y="1347727"/>
+            <a:ext cx="6423072" cy="1827210"/>
           </a:xfrm>
           <a:prstGeom prst="rect">
             <a:avLst/>
           </a:prstGeom>
+          <a:ln w="25400">
+            <a:solidFill>
+              <a:schemeClr val="tx1"/>
+            </a:solidFill>
+          </a:ln>
+        </p:spPr>
+      </p:pic>
+      <p:sp>
+        <p:nvSpPr>
+          <p:cNvPr id="6" name="Title 1">
+            <a:extLst>
+              <a:ext uri="{FF2B5EF4-FFF2-40B4-BE49-F238E27FC236}">
+                <a16:creationId xmlns:a16="http://schemas.microsoft.com/office/drawing/2014/main" id="{E40E323F-851C-47FA-B572-BC07B7D84B87}"/>
+              </a:ext>
+            </a:extLst>
+          </p:cNvPr>
+          <p:cNvSpPr>
+            <a:spLocks noGrp="1"/>
+          </p:cNvSpPr>
+          <p:nvPr>
+            <p:ph type="title"/>
+          </p:nvPr>
+        </p:nvSpPr>
+        <p:spPr>
+          <a:xfrm>
+            <a:off x="683456" y="134382"/>
+            <a:ext cx="10515600" cy="1325563"/>
+          </a:xfrm>
+        </p:spPr>
+        <p:txBody>
+          <a:bodyPr>
+            <a:normAutofit/>
+          </a:bodyPr>
+          <a:lstStyle/>
+          <a:p>
+            <a:r>
+              <a:rPr lang="en-US" sz="3600" dirty="0">
+                <a:solidFill>
+                  <a:srgbClr val="FF6600"/>
+                </a:solidFill>
+                <a:latin typeface="Avenir LT Std 65 Medium" panose="020B0803020203020204" pitchFamily="34" charset="0"/>
+              </a:rPr>
+              <a:t>Model Deployment on Heroku App</a:t>
+            </a:r>
+          </a:p>
+        </p:txBody>
+      </p:sp>
+      <p:pic>
+        <p:nvPicPr>
+          <p:cNvPr id="7" name="Picture 6" descr="Graphical user interface, text, application, email&#10;&#10;Description automatically generated">
+            <a:extLst>
+              <a:ext uri="{FF2B5EF4-FFF2-40B4-BE49-F238E27FC236}">
+                <a16:creationId xmlns:a16="http://schemas.microsoft.com/office/drawing/2014/main" id="{ACFC57CC-E0D5-47C3-BC11-6861EEB43E35}"/>
+              </a:ext>
+            </a:extLst>
+          </p:cNvPr>
+          <p:cNvPicPr>
+            <a:picLocks noChangeAspect="1"/>
+          </p:cNvPicPr>
+          <p:nvPr/>
+        </p:nvPicPr>
+        <p:blipFill>
+          <a:blip r:embed="rId3"/>
+          <a:stretch>
+            <a:fillRect/>
+          </a:stretch>
+        </p:blipFill>
+        <p:spPr>
+          <a:xfrm>
+            <a:off x="838200" y="3683064"/>
+            <a:ext cx="6423072" cy="2146183"/>
+          </a:xfrm>
+          <a:prstGeom prst="rect">
+            <a:avLst/>
+          </a:prstGeom>
+          <a:ln w="25400">
+            <a:solidFill>
+              <a:schemeClr val="tx1"/>
+            </a:solidFill>
+          </a:ln>
+        </p:spPr>
+      </p:pic>
+      <p:pic>
+        <p:nvPicPr>
+          <p:cNvPr id="1028" name="Picture 4">
+            <a:extLst>
+              <a:ext uri="{FF2B5EF4-FFF2-40B4-BE49-F238E27FC236}">
+                <a16:creationId xmlns:a16="http://schemas.microsoft.com/office/drawing/2014/main" id="{57463159-39B3-45DA-8A0D-750664B92092}"/>
+              </a:ext>
+            </a:extLst>
+          </p:cNvPr>
+          <p:cNvPicPr>
+            <a:picLocks noChangeAspect="1" noChangeArrowheads="1"/>
+          </p:cNvPicPr>
+          <p:nvPr/>
+        </p:nvPicPr>
+        <p:blipFill>
+          <a:blip r:embed="rId4">
+            <a:extLst>
+              <a:ext uri="{28A0092B-C50C-407E-A947-70E740481C1C}">
+                <a14:useLocalDpi xmlns:a14="http://schemas.microsoft.com/office/drawing/2010/main" val="0"/>
+              </a:ext>
+            </a:extLst>
+          </a:blip>
+          <a:srcRect/>
+          <a:stretch>
+            <a:fillRect/>
+          </a:stretch>
+        </p:blipFill>
+        <p:spPr bwMode="auto">
+          <a:xfrm>
+            <a:off x="3482998" y="3271837"/>
+            <a:ext cx="1133475" cy="314325"/>
+          </a:xfrm>
+          <a:prstGeom prst="rect">
+            <a:avLst/>
+          </a:prstGeom>
+          <a:noFill/>
+          <a:extLst>
+            <a:ext uri="{909E8E84-426E-40DD-AFC4-6F175D3DCCD1}">
+              <a14:hiddenFill xmlns:a14="http://schemas.microsoft.com/office/drawing/2010/main">
+                <a:solidFill>
+                  <a:srgbClr val="FFFFFF"/>
+                </a:solidFill>
+              </a14:hiddenFill>
+            </a:ext>
+          </a:extLst>
         </p:spPr>
       </p:pic>
     </p:spTree>
@@ -3794,31 +3930,6 @@
       </p:grpSpPr>
       <p:sp>
         <p:nvSpPr>
-          <p:cNvPr id="2" name="Title 1">
-            <a:extLst>
-              <a:ext uri="{FF2B5EF4-FFF2-40B4-BE49-F238E27FC236}">
-                <a16:creationId xmlns:a16="http://schemas.microsoft.com/office/drawing/2014/main" id="{59218A6B-10BD-4F2E-A837-8DC92AE9B7EB}"/>
-              </a:ext>
-            </a:extLst>
-          </p:cNvPr>
-          <p:cNvSpPr>
-            <a:spLocks noGrp="1"/>
-          </p:cNvSpPr>
-          <p:nvPr>
-            <p:ph type="title"/>
-          </p:nvPr>
-        </p:nvSpPr>
-        <p:spPr/>
-        <p:txBody>
-          <a:bodyPr/>
-          <a:lstStyle/>
-          <a:p>
-            <a:endParaRPr lang="en-US"/>
-          </a:p>
-        </p:txBody>
-      </p:sp>
-      <p:sp>
-        <p:nvSpPr>
           <p:cNvPr id="3" name="Content Placeholder 2">
             <a:extLst>
               <a:ext uri="{FF2B5EF4-FFF2-40B4-BE49-F238E27FC236}">
@@ -3833,12 +3944,73 @@
             <p:ph idx="1"/>
           </p:nvPr>
         </p:nvSpPr>
-        <p:spPr/>
-        <p:txBody>
-          <a:bodyPr/>
-          <a:lstStyle/>
-          <a:p>
-            <a:endParaRPr lang="en-US"/>
+        <p:spPr>
+          <a:xfrm>
+            <a:off x="838200" y="1825625"/>
+            <a:ext cx="4106334" cy="4351338"/>
+          </a:xfrm>
+        </p:spPr>
+        <p:txBody>
+          <a:bodyPr>
+            <a:normAutofit fontScale="92500"/>
+          </a:bodyPr>
+          <a:lstStyle/>
+          <a:p>
+            <a:pPr>
+              <a:buFont typeface="Wingdings" panose="05000000000000000000" pitchFamily="2" charset="2"/>
+              <a:buChar char="Ø"/>
+            </a:pPr>
+            <a:r>
+              <a:rPr lang="en-US" dirty="0">
+                <a:latin typeface="Avenir Next LT Pro" panose="020B0504020202020204" pitchFamily="34" charset="0"/>
+              </a:rPr>
+              <a:t>The repo contains all necessary files including </a:t>
+            </a:r>
+            <a:r>
+              <a:rPr lang="en-US" dirty="0" err="1">
+                <a:latin typeface="Avenir Next LT Pro" panose="020B0504020202020204" pitchFamily="34" charset="0"/>
+              </a:rPr>
+              <a:t>requirements.text</a:t>
+            </a:r>
+            <a:r>
+              <a:rPr lang="en-US" dirty="0">
+                <a:latin typeface="Avenir Next LT Pro" panose="020B0504020202020204" pitchFamily="34" charset="0"/>
+              </a:rPr>
+              <a:t> (which includes all necessary packages for deployment and </a:t>
+            </a:r>
+            <a:r>
+              <a:rPr lang="en-US" dirty="0" err="1">
+                <a:latin typeface="Avenir Next LT Pro" panose="020B0504020202020204" pitchFamily="34" charset="0"/>
+              </a:rPr>
+              <a:t>Procfile</a:t>
+            </a:r>
+            <a:r>
+              <a:rPr lang="en-US" dirty="0">
+                <a:latin typeface="Avenir Next LT Pro" panose="020B0504020202020204" pitchFamily="34" charset="0"/>
+              </a:rPr>
+              <a:t>)</a:t>
+            </a:r>
+          </a:p>
+          <a:p>
+            <a:pPr>
+              <a:buFont typeface="Wingdings" panose="05000000000000000000" pitchFamily="2" charset="2"/>
+              <a:buChar char="Ø"/>
+            </a:pPr>
+            <a:endParaRPr lang="en-US" dirty="0">
+              <a:latin typeface="Avenir Next LT Pro" panose="020B0504020202020204" pitchFamily="34" charset="0"/>
+            </a:endParaRPr>
+          </a:p>
+          <a:p>
+            <a:pPr>
+              <a:buFont typeface="Wingdings" panose="05000000000000000000" pitchFamily="2" charset="2"/>
+              <a:buChar char="Ø"/>
+            </a:pPr>
+            <a:r>
+              <a:rPr lang="en-US" dirty="0">
+                <a:latin typeface="Avenir Next LT Pro" panose="020B0504020202020204" pitchFamily="34" charset="0"/>
+              </a:rPr>
+              <a:t>The model was successfully deployed on Heroku Application.</a:t>
+            </a:r>
           </a:p>
         </p:txBody>
       </p:sp>
@@ -3864,12 +4036,175 @@
         </p:blipFill>
         <p:spPr>
           <a:xfrm>
-            <a:off x="165860" y="1447523"/>
-            <a:ext cx="11860280" cy="3962953"/>
+            <a:off x="5381458" y="4064264"/>
+            <a:ext cx="6322862" cy="2112699"/>
           </a:xfrm>
           <a:prstGeom prst="rect">
             <a:avLst/>
           </a:prstGeom>
+          <a:ln w="25400">
+            <a:solidFill>
+              <a:schemeClr val="tx1"/>
+            </a:solidFill>
+          </a:ln>
+        </p:spPr>
+      </p:pic>
+      <p:pic>
+        <p:nvPicPr>
+          <p:cNvPr id="6" name="Picture 5" descr="A screenshot of a computer&#10;&#10;Description automatically generated">
+            <a:extLst>
+              <a:ext uri="{FF2B5EF4-FFF2-40B4-BE49-F238E27FC236}">
+                <a16:creationId xmlns:a16="http://schemas.microsoft.com/office/drawing/2014/main" id="{F65946D3-9FCB-42DE-9056-7E1585209924}"/>
+              </a:ext>
+            </a:extLst>
+          </p:cNvPr>
+          <p:cNvPicPr>
+            <a:picLocks noChangeAspect="1"/>
+          </p:cNvPicPr>
+          <p:nvPr/>
+        </p:nvPicPr>
+        <p:blipFill>
+          <a:blip r:embed="rId3"/>
+          <a:stretch>
+            <a:fillRect/>
+          </a:stretch>
+        </p:blipFill>
+        <p:spPr>
+          <a:xfrm>
+            <a:off x="6489722" y="1825625"/>
+            <a:ext cx="4106334" cy="2035543"/>
+          </a:xfrm>
+          <a:prstGeom prst="rect">
+            <a:avLst/>
+          </a:prstGeom>
+          <a:ln w="25400">
+            <a:solidFill>
+              <a:schemeClr val="tx1"/>
+            </a:solidFill>
+          </a:ln>
+        </p:spPr>
+      </p:pic>
+      <p:sp>
+        <p:nvSpPr>
+          <p:cNvPr id="7" name="Title 1">
+            <a:extLst>
+              <a:ext uri="{FF2B5EF4-FFF2-40B4-BE49-F238E27FC236}">
+                <a16:creationId xmlns:a16="http://schemas.microsoft.com/office/drawing/2014/main" id="{77A21B1F-CC6E-45AD-927E-A32CC2B8F38D}"/>
+              </a:ext>
+            </a:extLst>
+          </p:cNvPr>
+          <p:cNvSpPr>
+            <a:spLocks noGrp="1"/>
+          </p:cNvSpPr>
+          <p:nvPr>
+            <p:ph type="title"/>
+          </p:nvPr>
+        </p:nvSpPr>
+        <p:spPr>
+          <a:xfrm>
+            <a:off x="838200" y="365125"/>
+            <a:ext cx="10515600" cy="1325563"/>
+          </a:xfrm>
+        </p:spPr>
+        <p:txBody>
+          <a:bodyPr>
+            <a:normAutofit/>
+          </a:bodyPr>
+          <a:lstStyle/>
+          <a:p>
+            <a:r>
+              <a:rPr lang="en-US" sz="3600" dirty="0">
+                <a:solidFill>
+                  <a:srgbClr val="FF6600"/>
+                </a:solidFill>
+                <a:latin typeface="Avenir LT Std 65 Medium" panose="020B0803020203020204" pitchFamily="34" charset="0"/>
+              </a:rPr>
+              <a:t>Model Deployment</a:t>
+            </a:r>
+          </a:p>
+        </p:txBody>
+      </p:sp>
+      <p:pic>
+        <p:nvPicPr>
+          <p:cNvPr id="8" name="Picture 7">
+            <a:extLst>
+              <a:ext uri="{FF2B5EF4-FFF2-40B4-BE49-F238E27FC236}">
+                <a16:creationId xmlns:a16="http://schemas.microsoft.com/office/drawing/2014/main" id="{35681B3E-95E7-4F8B-96C8-2E180582414E}"/>
+              </a:ext>
+            </a:extLst>
+          </p:cNvPr>
+          <p:cNvPicPr>
+            <a:picLocks noChangeAspect="1"/>
+          </p:cNvPicPr>
+          <p:nvPr/>
+        </p:nvPicPr>
+        <p:blipFill>
+          <a:blip r:embed="rId4" cstate="print">
+            <a:extLst>
+              <a:ext uri="{28A0092B-C50C-407E-A947-70E740481C1C}">
+                <a14:useLocalDpi xmlns:a14="http://schemas.microsoft.com/office/drawing/2010/main" val="0"/>
+              </a:ext>
+            </a:extLst>
+          </a:blip>
+          <a:stretch>
+            <a:fillRect/>
+          </a:stretch>
+        </p:blipFill>
+        <p:spPr>
+          <a:xfrm>
+            <a:off x="0" y="5863771"/>
+            <a:ext cx="1654627" cy="994232"/>
+          </a:xfrm>
+          <a:prstGeom prst="rect">
+            <a:avLst/>
+          </a:prstGeom>
+        </p:spPr>
+      </p:pic>
+      <p:pic>
+        <p:nvPicPr>
+          <p:cNvPr id="9" name="Picture 4">
+            <a:extLst>
+              <a:ext uri="{FF2B5EF4-FFF2-40B4-BE49-F238E27FC236}">
+                <a16:creationId xmlns:a16="http://schemas.microsoft.com/office/drawing/2014/main" id="{84765D36-12B0-4192-90CA-928BF86CEEB0}"/>
+              </a:ext>
+            </a:extLst>
+          </p:cNvPr>
+          <p:cNvPicPr>
+            <a:picLocks noChangeAspect="1" noChangeArrowheads="1"/>
+          </p:cNvPicPr>
+          <p:nvPr/>
+        </p:nvPicPr>
+        <p:blipFill>
+          <a:blip r:embed="rId5">
+            <a:extLst>
+              <a:ext uri="{28A0092B-C50C-407E-A947-70E740481C1C}">
+                <a14:useLocalDpi xmlns:a14="http://schemas.microsoft.com/office/drawing/2010/main" val="0"/>
+              </a:ext>
+            </a:extLst>
+          </a:blip>
+          <a:srcRect/>
+          <a:stretch>
+            <a:fillRect/>
+          </a:stretch>
+        </p:blipFill>
+        <p:spPr bwMode="auto">
+          <a:xfrm>
+            <a:off x="7976151" y="1409752"/>
+            <a:ext cx="1133475" cy="314325"/>
+          </a:xfrm>
+          <a:prstGeom prst="rect">
+            <a:avLst/>
+          </a:prstGeom>
+          <a:noFill/>
+          <a:extLst>
+            <a:ext uri="{909E8E84-426E-40DD-AFC4-6F175D3DCCD1}">
+              <a14:hiddenFill xmlns:a14="http://schemas.microsoft.com/office/drawing/2010/main">
+                <a:solidFill>
+                  <a:srgbClr val="FFFFFF"/>
+                </a:solidFill>
+              </a14:hiddenFill>
+            </a:ext>
+          </a:extLst>
         </p:spPr>
       </p:pic>
     </p:spTree>
@@ -3904,111 +4239,6 @@
       </p:grpSpPr>
       <p:sp>
         <p:nvSpPr>
-          <p:cNvPr id="2" name="Title 1">
-            <a:extLst>
-              <a:ext uri="{FF2B5EF4-FFF2-40B4-BE49-F238E27FC236}">
-                <a16:creationId xmlns:a16="http://schemas.microsoft.com/office/drawing/2014/main" id="{62AC879B-61BF-4A88-955E-BC39294EA052}"/>
-              </a:ext>
-            </a:extLst>
-          </p:cNvPr>
-          <p:cNvSpPr>
-            <a:spLocks noGrp="1"/>
-          </p:cNvSpPr>
-          <p:nvPr>
-            <p:ph type="title"/>
-          </p:nvPr>
-        </p:nvSpPr>
-        <p:spPr/>
-        <p:txBody>
-          <a:bodyPr/>
-          <a:lstStyle/>
-          <a:p>
-            <a:endParaRPr lang="en-US"/>
-          </a:p>
-        </p:txBody>
-      </p:sp>
-      <p:sp>
-        <p:nvSpPr>
-          <p:cNvPr id="3" name="Content Placeholder 2">
-            <a:extLst>
-              <a:ext uri="{FF2B5EF4-FFF2-40B4-BE49-F238E27FC236}">
-                <a16:creationId xmlns:a16="http://schemas.microsoft.com/office/drawing/2014/main" id="{3F760AF5-36E3-43F8-B07A-D3675107FFA7}"/>
-              </a:ext>
-            </a:extLst>
-          </p:cNvPr>
-          <p:cNvSpPr>
-            <a:spLocks noGrp="1"/>
-          </p:cNvSpPr>
-          <p:nvPr>
-            <p:ph idx="1"/>
-          </p:nvPr>
-        </p:nvSpPr>
-        <p:spPr/>
-        <p:txBody>
-          <a:bodyPr/>
-          <a:lstStyle/>
-          <a:p>
-            <a:endParaRPr lang="en-US"/>
-          </a:p>
-        </p:txBody>
-      </p:sp>
-    </p:spTree>
-    <p:extLst>
-      <p:ext uri="{BB962C8B-B14F-4D97-AF65-F5344CB8AC3E}">
-        <p14:creationId xmlns:p14="http://schemas.microsoft.com/office/powerpoint/2010/main" val="3107677953"/>
-      </p:ext>
-    </p:extLst>
-  </p:cSld>
-  <p:clrMapOvr>
-    <a:masterClrMapping/>
-  </p:clrMapOvr>
-</p:sld>
-</file>
-
-<file path=ppt/slides/slide7.xml><?xml version="1.0" encoding="utf-8"?>
-<p:sld xmlns:a="http://schemas.openxmlformats.org/drawingml/2006/main" xmlns:r="http://schemas.openxmlformats.org/officeDocument/2006/relationships" xmlns:p="http://schemas.openxmlformats.org/presentationml/2006/main">
-  <p:cSld>
-    <p:spTree>
-      <p:nvGrpSpPr>
-        <p:cNvPr id="1" name=""/>
-        <p:cNvGrpSpPr/>
-        <p:nvPr/>
-      </p:nvGrpSpPr>
-      <p:grpSpPr>
-        <a:xfrm>
-          <a:off x="0" y="0"/>
-          <a:ext cx="0" cy="0"/>
-          <a:chOff x="0" y="0"/>
-          <a:chExt cx="0" cy="0"/>
-        </a:xfrm>
-      </p:grpSpPr>
-      <p:sp>
-        <p:nvSpPr>
-          <p:cNvPr id="2" name="Title 1">
-            <a:extLst>
-              <a:ext uri="{FF2B5EF4-FFF2-40B4-BE49-F238E27FC236}">
-                <a16:creationId xmlns:a16="http://schemas.microsoft.com/office/drawing/2014/main" id="{5F7C5304-4FC7-4469-AE55-65875F4E446A}"/>
-              </a:ext>
-            </a:extLst>
-          </p:cNvPr>
-          <p:cNvSpPr>
-            <a:spLocks noGrp="1"/>
-          </p:cNvSpPr>
-          <p:nvPr>
-            <p:ph type="title"/>
-          </p:nvPr>
-        </p:nvSpPr>
-        <p:spPr/>
-        <p:txBody>
-          <a:bodyPr/>
-          <a:lstStyle/>
-          <a:p>
-            <a:endParaRPr lang="en-US"/>
-          </a:p>
-        </p:txBody>
-      </p:sp>
-      <p:sp>
-        <p:nvSpPr>
           <p:cNvPr id="3" name="Content Placeholder 2">
             <a:extLst>
               <a:ext uri="{FF2B5EF4-FFF2-40B4-BE49-F238E27FC236}">
@@ -4023,15 +4253,287 @@
             <p:ph idx="1"/>
           </p:nvPr>
         </p:nvSpPr>
-        <p:spPr/>
-        <p:txBody>
-          <a:bodyPr/>
-          <a:lstStyle/>
-          <a:p>
-            <a:endParaRPr lang="en-US"/>
-          </a:p>
-        </p:txBody>
-      </p:sp>
+        <p:spPr>
+          <a:xfrm>
+            <a:off x="604044" y="4046069"/>
+            <a:ext cx="4126982" cy="1817702"/>
+          </a:xfrm>
+        </p:spPr>
+        <p:txBody>
+          <a:bodyPr>
+            <a:normAutofit/>
+          </a:bodyPr>
+          <a:lstStyle/>
+          <a:p>
+            <a:pPr marL="0" indent="0">
+              <a:buNone/>
+            </a:pPr>
+            <a:r>
+              <a:rPr lang="en-US" dirty="0">
+                <a:latin typeface="Avenir Next LT Pro" panose="020B0504020202020204" pitchFamily="34" charset="0"/>
+              </a:rPr>
+              <a:t>Model deployed and  ran successfully on the Heroku App.</a:t>
+            </a:r>
+          </a:p>
+        </p:txBody>
+      </p:sp>
+      <p:pic>
+        <p:nvPicPr>
+          <p:cNvPr id="5" name="Picture 4" descr="Graphical user interface, application&#10;&#10;Description automatically generated">
+            <a:extLst>
+              <a:ext uri="{FF2B5EF4-FFF2-40B4-BE49-F238E27FC236}">
+                <a16:creationId xmlns:a16="http://schemas.microsoft.com/office/drawing/2014/main" id="{94F6FA6B-0D56-4792-8D41-98589C689CEB}"/>
+              </a:ext>
+            </a:extLst>
+          </p:cNvPr>
+          <p:cNvPicPr>
+            <a:picLocks noChangeAspect="1"/>
+          </p:cNvPicPr>
+          <p:nvPr/>
+        </p:nvPicPr>
+        <p:blipFill>
+          <a:blip r:embed="rId2"/>
+          <a:stretch>
+            <a:fillRect/>
+          </a:stretch>
+        </p:blipFill>
+        <p:spPr>
+          <a:xfrm>
+            <a:off x="4915910" y="1561708"/>
+            <a:ext cx="2880844" cy="2215522"/>
+          </a:xfrm>
+          <a:prstGeom prst="rect">
+            <a:avLst/>
+          </a:prstGeom>
+          <a:ln w="28575">
+            <a:solidFill>
+              <a:schemeClr val="tx1"/>
+            </a:solidFill>
+          </a:ln>
+        </p:spPr>
+      </p:pic>
+      <p:pic>
+        <p:nvPicPr>
+          <p:cNvPr id="7" name="Picture 6" descr="Graphical user interface, application&#10;&#10;Description automatically generated">
+            <a:extLst>
+              <a:ext uri="{FF2B5EF4-FFF2-40B4-BE49-F238E27FC236}">
+                <a16:creationId xmlns:a16="http://schemas.microsoft.com/office/drawing/2014/main" id="{EA13187D-BD3E-44DB-971B-3F61D241B193}"/>
+              </a:ext>
+            </a:extLst>
+          </p:cNvPr>
+          <p:cNvPicPr>
+            <a:picLocks noChangeAspect="1"/>
+          </p:cNvPicPr>
+          <p:nvPr/>
+        </p:nvPicPr>
+        <p:blipFill>
+          <a:blip r:embed="rId3"/>
+          <a:stretch>
+            <a:fillRect/>
+          </a:stretch>
+        </p:blipFill>
+        <p:spPr>
+          <a:xfrm>
+            <a:off x="8196986" y="1561708"/>
+            <a:ext cx="2774218" cy="2215522"/>
+          </a:xfrm>
+          <a:prstGeom prst="rect">
+            <a:avLst/>
+          </a:prstGeom>
+          <a:ln w="28575">
+            <a:solidFill>
+              <a:schemeClr val="tx1"/>
+            </a:solidFill>
+          </a:ln>
+        </p:spPr>
+      </p:pic>
+      <p:pic>
+        <p:nvPicPr>
+          <p:cNvPr id="8" name="Picture 7" descr="A computer screen capture&#10;&#10;Description automatically generated with medium confidence">
+            <a:extLst>
+              <a:ext uri="{FF2B5EF4-FFF2-40B4-BE49-F238E27FC236}">
+                <a16:creationId xmlns:a16="http://schemas.microsoft.com/office/drawing/2014/main" id="{8DDB8E6E-A66F-4EFE-82D4-C0D8E5CCFBDC}"/>
+              </a:ext>
+            </a:extLst>
+          </p:cNvPr>
+          <p:cNvPicPr>
+            <a:picLocks noChangeAspect="1"/>
+          </p:cNvPicPr>
+          <p:nvPr/>
+        </p:nvPicPr>
+        <p:blipFill rotWithShape="1">
+          <a:blip r:embed="rId4"/>
+          <a:srcRect l="10591" t="13531" r="10125" b="6957"/>
+          <a:stretch/>
+        </p:blipFill>
+        <p:spPr>
+          <a:xfrm>
+            <a:off x="604044" y="1550856"/>
+            <a:ext cx="3929270" cy="2215522"/>
+          </a:xfrm>
+          <a:prstGeom prst="rect">
+            <a:avLst/>
+          </a:prstGeom>
+          <a:ln w="28575">
+            <a:solidFill>
+              <a:schemeClr val="tx1"/>
+            </a:solidFill>
+          </a:ln>
+        </p:spPr>
+      </p:pic>
+      <p:sp>
+        <p:nvSpPr>
+          <p:cNvPr id="9" name="Title 1">
+            <a:extLst>
+              <a:ext uri="{FF2B5EF4-FFF2-40B4-BE49-F238E27FC236}">
+                <a16:creationId xmlns:a16="http://schemas.microsoft.com/office/drawing/2014/main" id="{4C04FB2D-A073-4180-B3BE-72BA52E9405A}"/>
+              </a:ext>
+            </a:extLst>
+          </p:cNvPr>
+          <p:cNvSpPr>
+            <a:spLocks noGrp="1"/>
+          </p:cNvSpPr>
+          <p:nvPr>
+            <p:ph type="title"/>
+          </p:nvPr>
+        </p:nvSpPr>
+        <p:spPr>
+          <a:xfrm>
+            <a:off x="838200" y="365125"/>
+            <a:ext cx="10515600" cy="1325563"/>
+          </a:xfrm>
+        </p:spPr>
+        <p:txBody>
+          <a:bodyPr>
+            <a:normAutofit/>
+          </a:bodyPr>
+          <a:lstStyle/>
+          <a:p>
+            <a:r>
+              <a:rPr lang="en-US" sz="3600" dirty="0">
+                <a:solidFill>
+                  <a:srgbClr val="FF6600"/>
+                </a:solidFill>
+                <a:latin typeface="Avenir LT Std 65 Medium" panose="020B0803020203020204" pitchFamily="34" charset="0"/>
+              </a:rPr>
+              <a:t>Model Deployment</a:t>
+            </a:r>
+          </a:p>
+        </p:txBody>
+      </p:sp>
+      <p:pic>
+        <p:nvPicPr>
+          <p:cNvPr id="10" name="Picture 9">
+            <a:extLst>
+              <a:ext uri="{FF2B5EF4-FFF2-40B4-BE49-F238E27FC236}">
+                <a16:creationId xmlns:a16="http://schemas.microsoft.com/office/drawing/2014/main" id="{9A72BA7F-2429-4867-9C58-B8AA2A58832F}"/>
+              </a:ext>
+            </a:extLst>
+          </p:cNvPr>
+          <p:cNvPicPr>
+            <a:picLocks noChangeAspect="1"/>
+          </p:cNvPicPr>
+          <p:nvPr/>
+        </p:nvPicPr>
+        <p:blipFill>
+          <a:blip r:embed="rId5" cstate="print">
+            <a:extLst>
+              <a:ext uri="{28A0092B-C50C-407E-A947-70E740481C1C}">
+                <a14:useLocalDpi xmlns:a14="http://schemas.microsoft.com/office/drawing/2010/main" val="0"/>
+              </a:ext>
+            </a:extLst>
+          </a:blip>
+          <a:stretch>
+            <a:fillRect/>
+          </a:stretch>
+        </p:blipFill>
+        <p:spPr>
+          <a:xfrm>
+            <a:off x="0" y="5863771"/>
+            <a:ext cx="1654627" cy="994232"/>
+          </a:xfrm>
+          <a:prstGeom prst="rect">
+            <a:avLst/>
+          </a:prstGeom>
+        </p:spPr>
+      </p:pic>
+      <p:pic>
+        <p:nvPicPr>
+          <p:cNvPr id="11" name="Picture 10" descr="A screenshot of a computer&#10;&#10;Description automatically generated">
+            <a:extLst>
+              <a:ext uri="{FF2B5EF4-FFF2-40B4-BE49-F238E27FC236}">
+                <a16:creationId xmlns:a16="http://schemas.microsoft.com/office/drawing/2014/main" id="{2046191D-7A50-46EF-983C-96FB61903C32}"/>
+              </a:ext>
+            </a:extLst>
+          </p:cNvPr>
+          <p:cNvPicPr>
+            <a:picLocks noChangeAspect="1"/>
+          </p:cNvPicPr>
+          <p:nvPr/>
+        </p:nvPicPr>
+        <p:blipFill>
+          <a:blip r:embed="rId6"/>
+          <a:stretch>
+            <a:fillRect/>
+          </a:stretch>
+        </p:blipFill>
+        <p:spPr>
+          <a:xfrm>
+            <a:off x="4915910" y="4046069"/>
+            <a:ext cx="6096000" cy="1786996"/>
+          </a:xfrm>
+          <a:prstGeom prst="rect">
+            <a:avLst/>
+          </a:prstGeom>
+        </p:spPr>
+      </p:pic>
+      <p:pic>
+        <p:nvPicPr>
+          <p:cNvPr id="12" name="Picture 4">
+            <a:extLst>
+              <a:ext uri="{FF2B5EF4-FFF2-40B4-BE49-F238E27FC236}">
+                <a16:creationId xmlns:a16="http://schemas.microsoft.com/office/drawing/2014/main" id="{5B3FB08E-A445-40DD-8447-A393A687EF2A}"/>
+              </a:ext>
+            </a:extLst>
+          </p:cNvPr>
+          <p:cNvPicPr>
+            <a:picLocks noChangeAspect="1" noChangeArrowheads="1"/>
+          </p:cNvPicPr>
+          <p:nvPr/>
+        </p:nvPicPr>
+        <p:blipFill>
+          <a:blip r:embed="rId7">
+            <a:extLst>
+              <a:ext uri="{28A0092B-C50C-407E-A947-70E740481C1C}">
+                <a14:useLocalDpi xmlns:a14="http://schemas.microsoft.com/office/drawing/2010/main" val="0"/>
+              </a:ext>
+            </a:extLst>
+          </a:blip>
+          <a:srcRect/>
+          <a:stretch>
+            <a:fillRect/>
+          </a:stretch>
+        </p:blipFill>
+        <p:spPr bwMode="auto">
+          <a:xfrm>
+            <a:off x="5529262" y="867772"/>
+            <a:ext cx="1133475" cy="314325"/>
+          </a:xfrm>
+          <a:prstGeom prst="rect">
+            <a:avLst/>
+          </a:prstGeom>
+          <a:noFill/>
+          <a:extLst>
+            <a:ext uri="{909E8E84-426E-40DD-AFC4-6F175D3DCCD1}">
+              <a14:hiddenFill xmlns:a14="http://schemas.microsoft.com/office/drawing/2010/main">
+                <a:solidFill>
+                  <a:srgbClr val="FFFFFF"/>
+                </a:solidFill>
+              </a14:hiddenFill>
+            </a:ext>
+          </a:extLst>
+        </p:spPr>
+      </p:pic>
     </p:spTree>
     <p:extLst>
       <p:ext uri="{BB962C8B-B14F-4D97-AF65-F5344CB8AC3E}">
@@ -4045,7 +4547,7 @@
 </p:sld>
 </file>
 
-<file path=ppt/slides/slide8.xml><?xml version="1.0" encoding="utf-8"?>
+<file path=ppt/slides/slide7.xml><?xml version="1.0" encoding="utf-8"?>
 <p:sld xmlns:a="http://schemas.openxmlformats.org/drawingml/2006/main" xmlns:r="http://schemas.openxmlformats.org/officeDocument/2006/relationships" xmlns:p="http://schemas.openxmlformats.org/presentationml/2006/main">
   <p:cSld>
     <p:spTree>

--- a/Presentation1.pptx
+++ b/Presentation1.pptx
@@ -247,7 +247,7 @@
           <a:p>
             <a:fld id="{C764DE79-268F-4C1A-8933-263129D2AF90}" type="datetimeFigureOut">
               <a:rPr lang="en-US" dirty="0"/>
-              <a:t>8/12/2021</a:t>
+              <a:t>8/13/2021</a:t>
             </a:fld>
             <a:endParaRPr lang="en-US"/>
           </a:p>
@@ -415,7 +415,7 @@
           <a:p>
             <a:fld id="{C764DE79-268F-4C1A-8933-263129D2AF90}" type="datetimeFigureOut">
               <a:rPr lang="en-US" dirty="0"/>
-              <a:t>8/12/2021</a:t>
+              <a:t>8/13/2021</a:t>
             </a:fld>
             <a:endParaRPr lang="en-US"/>
           </a:p>
@@ -593,7 +593,7 @@
           <a:p>
             <a:fld id="{C764DE79-268F-4C1A-8933-263129D2AF90}" type="datetimeFigureOut">
               <a:rPr lang="en-US" dirty="0"/>
-              <a:t>8/12/2021</a:t>
+              <a:t>8/13/2021</a:t>
             </a:fld>
             <a:endParaRPr lang="en-US"/>
           </a:p>
@@ -761,7 +761,7 @@
           <a:p>
             <a:fld id="{C764DE79-268F-4C1A-8933-263129D2AF90}" type="datetimeFigureOut">
               <a:rPr lang="en-US" dirty="0"/>
-              <a:t>8/12/2021</a:t>
+              <a:t>8/13/2021</a:t>
             </a:fld>
             <a:endParaRPr lang="en-US"/>
           </a:p>
@@ -1006,7 +1006,7 @@
           <a:p>
             <a:fld id="{C764DE79-268F-4C1A-8933-263129D2AF90}" type="datetimeFigureOut">
               <a:rPr lang="en-US" dirty="0"/>
-              <a:t>8/12/2021</a:t>
+              <a:t>8/13/2021</a:t>
             </a:fld>
             <a:endParaRPr lang="en-US"/>
           </a:p>
@@ -1235,7 +1235,7 @@
           <a:p>
             <a:fld id="{C764DE79-268F-4C1A-8933-263129D2AF90}" type="datetimeFigureOut">
               <a:rPr lang="en-US" dirty="0"/>
-              <a:t>8/12/2021</a:t>
+              <a:t>8/13/2021</a:t>
             </a:fld>
             <a:endParaRPr lang="en-US"/>
           </a:p>
@@ -1599,7 +1599,7 @@
           <a:p>
             <a:fld id="{C764DE79-268F-4C1A-8933-263129D2AF90}" type="datetimeFigureOut">
               <a:rPr lang="en-US" dirty="0"/>
-              <a:t>8/12/2021</a:t>
+              <a:t>8/13/2021</a:t>
             </a:fld>
             <a:endParaRPr lang="en-US"/>
           </a:p>
@@ -1716,7 +1716,7 @@
           <a:p>
             <a:fld id="{C764DE79-268F-4C1A-8933-263129D2AF90}" type="datetimeFigureOut">
               <a:rPr lang="en-US" dirty="0"/>
-              <a:t>8/12/2021</a:t>
+              <a:t>8/13/2021</a:t>
             </a:fld>
             <a:endParaRPr lang="en-US"/>
           </a:p>
@@ -1811,7 +1811,7 @@
           <a:p>
             <a:fld id="{C764DE79-268F-4C1A-8933-263129D2AF90}" type="datetimeFigureOut">
               <a:rPr lang="en-US" dirty="0"/>
-              <a:t>8/12/2021</a:t>
+              <a:t>8/13/2021</a:t>
             </a:fld>
             <a:endParaRPr lang="en-US"/>
           </a:p>
@@ -2086,7 +2086,7 @@
           <a:p>
             <a:fld id="{C764DE79-268F-4C1A-8933-263129D2AF90}" type="datetimeFigureOut">
               <a:rPr lang="en-US" dirty="0"/>
-              <a:t>8/12/2021</a:t>
+              <a:t>8/13/2021</a:t>
             </a:fld>
             <a:endParaRPr lang="en-US"/>
           </a:p>
@@ -2341,7 +2341,7 @@
           <a:p>
             <a:fld id="{C764DE79-268F-4C1A-8933-263129D2AF90}" type="datetimeFigureOut">
               <a:rPr lang="en-US" dirty="0"/>
-              <a:t>8/12/2021</a:t>
+              <a:t>8/13/2021</a:t>
             </a:fld>
             <a:endParaRPr lang="en-US"/>
           </a:p>
@@ -2552,7 +2552,7 @@
           <a:p>
             <a:fld id="{C764DE79-268F-4C1A-8933-263129D2AF90}" type="datetimeFigureOut">
               <a:rPr lang="en-US" dirty="0"/>
-              <a:t>8/12/2021</a:t>
+              <a:t>8/13/2021</a:t>
             </a:fld>
             <a:endParaRPr lang="en-US"/>
           </a:p>
@@ -3016,7 +3016,7 @@
         <p:spPr>
           <a:xfrm>
             <a:off x="870857" y="2380343"/>
-            <a:ext cx="9704323" cy="3354765"/>
+            <a:ext cx="9704323" cy="3970318"/>
           </a:xfrm>
           <a:prstGeom prst="rect">
             <a:avLst/>
@@ -3117,6 +3117,44 @@
                 <a:latin typeface="Avenir LT Std 65 Medium" panose="020B0803020203020204" pitchFamily="34" charset="0"/>
               </a:rPr>
               <a:t>Joseph Antony</a:t>
+            </a:r>
+          </a:p>
+          <a:p>
+            <a:endParaRPr lang="en-US" sz="2000" b="1" dirty="0">
+              <a:solidFill>
+                <a:schemeClr val="bg1"/>
+              </a:solidFill>
+              <a:latin typeface="Avenir LT Std 65 Medium" panose="020B0803020203020204" pitchFamily="34" charset="0"/>
+            </a:endParaRPr>
+          </a:p>
+          <a:p>
+            <a:r>
+              <a:rPr lang="en-US" sz="2000" b="1" dirty="0">
+                <a:solidFill>
+                  <a:schemeClr val="bg1"/>
+                </a:solidFill>
+                <a:latin typeface="Avenir LT Std 65 Medium" panose="020B0803020203020204" pitchFamily="34" charset="0"/>
+              </a:rPr>
+              <a:t>Submitted to: </a:t>
+            </a:r>
+            <a:r>
+              <a:rPr lang="en-US" sz="2000" b="1" dirty="0">
+                <a:solidFill>
+                  <a:schemeClr val="bg1"/>
+                </a:solidFill>
+                <a:latin typeface="Avenir LT Std 65 Medium" panose="020B0803020203020204" pitchFamily="34" charset="0"/>
+                <a:hlinkClick r:id="rId3"/>
+              </a:rPr>
+              <a:t>https://github.com/joeanton719/Week5_Heroku</a:t>
+            </a:r>
+            <a:r>
+              <a:rPr lang="en-US" sz="2000" b="1" dirty="0">
+                <a:solidFill>
+                  <a:schemeClr val="bg1"/>
+                </a:solidFill>
+                <a:latin typeface="Avenir LT Std 65 Medium" panose="020B0803020203020204" pitchFamily="34" charset="0"/>
+              </a:rPr>
+              <a:t> </a:t>
             </a:r>
           </a:p>
         </p:txBody>
